--- a/00-demo/01-futelo.pptx
+++ b/00-demo/01-futelo.pptx
@@ -119,6 +119,11 @@
       </a:defRPr>
     </a:lvl9pPr>
   </p:defaultTextStyle>
+  <p:extLst>
+    <p:ext uri="{EFAFB233-063F-42B5-8137-9DF3F51BA10A}">
+      <p15:sldGuideLst xmlns:p15="http://schemas.microsoft.com/office/powerpoint/2012/main"/>
+    </p:ext>
+  </p:extLst>
 </p:presentation>
 </file>
 
@@ -204,7 +209,7 @@
           <a:p>
             <a:fld id="{629692EB-7DBD-4149-B004-1F81EA22F6C8}" type="datetimeFigureOut">
               <a:rPr lang="it-IT" smtClean="0"/>
-              <a:t>16/10/2019</a:t>
+              <a:t>18/10/2019</a:t>
             </a:fld>
             <a:endParaRPr lang="it-IT"/>
           </a:p>
@@ -9265,7 +9270,7 @@
           <a:p>
             <a:fld id="{ED291B17-9318-49DB-B28B-6E5994AE9581}" type="datetime1">
               <a:rPr lang="en-US" smtClean="0"/>
-              <a:t>10/16/2019</a:t>
+              <a:t>10/18/2019</a:t>
             </a:fld>
             <a:endParaRPr lang="en-US" dirty="0"/>
           </a:p>
@@ -9472,7 +9477,7 @@
           <a:p>
             <a:fld id="{ED291B17-9318-49DB-B28B-6E5994AE9581}" type="datetime1">
               <a:rPr lang="en-US" smtClean="0"/>
-              <a:t>10/16/2019</a:t>
+              <a:t>10/18/2019</a:t>
             </a:fld>
             <a:endParaRPr lang="en-US" dirty="0"/>
           </a:p>
@@ -9653,7 +9658,7 @@
           <a:p>
             <a:fld id="{ED291B17-9318-49DB-B28B-6E5994AE9581}" type="datetime1">
               <a:rPr lang="en-US" smtClean="0"/>
-              <a:t>10/16/2019</a:t>
+              <a:t>10/18/2019</a:t>
             </a:fld>
             <a:endParaRPr lang="en-US" dirty="0"/>
           </a:p>
@@ -9859,7 +9864,7 @@
           <a:p>
             <a:fld id="{ED291B17-9318-49DB-B28B-6E5994AE9581}" type="datetime1">
               <a:rPr lang="en-US" smtClean="0"/>
-              <a:t>10/16/2019</a:t>
+              <a:t>10/18/2019</a:t>
             </a:fld>
             <a:endParaRPr lang="en-US" dirty="0"/>
           </a:p>
@@ -18758,7 +18763,7 @@
           <a:p>
             <a:fld id="{ED291B17-9318-49DB-B28B-6E5994AE9581}" type="datetime1">
               <a:rPr lang="en-US" smtClean="0"/>
-              <a:t>10/16/2019</a:t>
+              <a:t>10/18/2019</a:t>
             </a:fld>
             <a:endParaRPr lang="en-US" dirty="0"/>
           </a:p>
@@ -19033,7 +19038,7 @@
           <a:p>
             <a:fld id="{ED291B17-9318-49DB-B28B-6E5994AE9581}" type="datetime1">
               <a:rPr lang="en-US" smtClean="0"/>
-              <a:t>10/16/2019</a:t>
+              <a:t>10/18/2019</a:t>
             </a:fld>
             <a:endParaRPr lang="en-US" dirty="0"/>
           </a:p>
@@ -19432,7 +19437,7 @@
           <a:p>
             <a:fld id="{ED291B17-9318-49DB-B28B-6E5994AE9581}" type="datetime1">
               <a:rPr lang="en-US" smtClean="0"/>
-              <a:t>10/16/2019</a:t>
+              <a:t>10/18/2019</a:t>
             </a:fld>
             <a:endParaRPr lang="en-US" dirty="0"/>
           </a:p>
@@ -19551,7 +19556,7 @@
           <a:p>
             <a:fld id="{ED291B17-9318-49DB-B28B-6E5994AE9581}" type="datetime1">
               <a:rPr lang="en-US" smtClean="0"/>
-              <a:t>10/16/2019</a:t>
+              <a:t>10/18/2019</a:t>
             </a:fld>
             <a:endParaRPr lang="en-US" dirty="0"/>
           </a:p>
@@ -19647,7 +19652,7 @@
           <a:p>
             <a:fld id="{ED291B17-9318-49DB-B28B-6E5994AE9581}" type="datetime1">
               <a:rPr lang="en-US" smtClean="0"/>
-              <a:t>10/16/2019</a:t>
+              <a:t>10/18/2019</a:t>
             </a:fld>
             <a:endParaRPr lang="en-US" dirty="0"/>
           </a:p>
@@ -19938,7 +19943,7 @@
           <a:p>
             <a:fld id="{ED291B17-9318-49DB-B28B-6E5994AE9581}" type="datetime1">
               <a:rPr lang="en-US" smtClean="0"/>
-              <a:t>10/16/2019</a:t>
+              <a:t>10/18/2019</a:t>
             </a:fld>
             <a:endParaRPr lang="en-US" dirty="0"/>
           </a:p>
@@ -20219,7 +20224,7 @@
           <a:p>
             <a:fld id="{ED291B17-9318-49DB-B28B-6E5994AE9581}" type="datetime1">
               <a:rPr lang="en-US" smtClean="0"/>
-              <a:t>10/16/2019</a:t>
+              <a:t>10/18/2019</a:t>
             </a:fld>
             <a:endParaRPr lang="en-US" dirty="0"/>
           </a:p>
@@ -20470,7 +20475,7 @@
           <a:p>
             <a:fld id="{ED291B17-9318-49DB-B28B-6E5994AE9581}" type="datetime1">
               <a:rPr lang="en-US" smtClean="0"/>
-              <a:t>10/16/2019</a:t>
+              <a:t>10/18/2019</a:t>
             </a:fld>
             <a:endParaRPr lang="en-US" dirty="0"/>
           </a:p>
@@ -22810,31 +22815,55 @@
           <a:chExt cx="0" cy="0"/>
         </a:xfrm>
       </p:grpSpPr>
+      <p:sp>
+        <p:nvSpPr>
+          <p:cNvPr id="3" name="Content Placeholder 2">
+            <a:extLst>
+              <a:ext uri="{FF2B5EF4-FFF2-40B4-BE49-F238E27FC236}">
+                <a16:creationId xmlns:a16="http://schemas.microsoft.com/office/drawing/2014/main" id="{2E7FB9C9-F943-48EB-A45B-1E075353FFED}"/>
+              </a:ext>
+            </a:extLst>
+          </p:cNvPr>
+          <p:cNvSpPr>
+            <a:spLocks noGrp="1"/>
+          </p:cNvSpPr>
+          <p:nvPr>
+            <p:ph idx="1"/>
+          </p:nvPr>
+        </p:nvSpPr>
+        <p:spPr/>
+        <p:txBody>
+          <a:bodyPr/>
+          <a:lstStyle/>
+          <a:p>
+            <a:endParaRPr lang="it-IT"/>
+          </a:p>
+        </p:txBody>
+      </p:sp>
       <p:pic>
         <p:nvPicPr>
-          <p:cNvPr id="4" name="Content Placeholder 3">
+          <p:cNvPr id="5" name="Picture 4">
             <a:extLst>
               <a:ext uri="{FF2B5EF4-FFF2-40B4-BE49-F238E27FC236}">
-                <a16:creationId xmlns:a16="http://schemas.microsoft.com/office/drawing/2014/main" id="{B2E17FD4-2564-4EEA-8D54-D11A6DDB4891}"/>
+                <a16:creationId xmlns:a16="http://schemas.microsoft.com/office/drawing/2014/main" id="{6C8539EB-2E7B-4CB1-9707-A2620EB59FCB}"/>
               </a:ext>
             </a:extLst>
           </p:cNvPr>
           <p:cNvPicPr>
-            <a:picLocks noGrp="1" noChangeAspect="1"/>
+            <a:picLocks noChangeAspect="1"/>
           </p:cNvPicPr>
-          <p:nvPr>
-            <p:ph idx="1"/>
-          </p:nvPr>
+          <p:nvPr/>
         </p:nvPicPr>
-        <p:blipFill rotWithShape="1">
+        <p:blipFill>
           <a:blip r:embed="rId2"/>
-          <a:srcRect t="2332" b="265"/>
-          <a:stretch/>
+          <a:stretch>
+            <a:fillRect/>
+          </a:stretch>
         </p:blipFill>
         <p:spPr>
           <a:xfrm>
-            <a:off x="20" y="10"/>
-            <a:ext cx="12191980" cy="6857990"/>
+            <a:off x="0" y="632754"/>
+            <a:ext cx="12192000" cy="5746496"/>
           </a:xfrm>
           <a:prstGeom prst="rect">
             <a:avLst/>
